--- a/RNWF11/media/boards/RNWF11_Power_VCC.pptx
+++ b/RNWF11/media/boards/RNWF11_Power_VCC.pptx
@@ -259,7 +259,7 @@
           <a:p>
             <a:fld id="{A721224C-57D3-924A-9F57-880433E9CE2E}" type="datetimeFigureOut">
               <a:rPr lang="en-US" smtClean="0"/>
-              <a:t>12/21/23</a:t>
+              <a:t>12/22/23</a:t>
             </a:fld>
             <a:endParaRPr lang="en-US"/>
           </a:p>
@@ -457,7 +457,7 @@
           <a:p>
             <a:fld id="{A721224C-57D3-924A-9F57-880433E9CE2E}" type="datetimeFigureOut">
               <a:rPr lang="en-US" smtClean="0"/>
-              <a:t>12/21/23</a:t>
+              <a:t>12/22/23</a:t>
             </a:fld>
             <a:endParaRPr lang="en-US"/>
           </a:p>
@@ -665,7 +665,7 @@
           <a:p>
             <a:fld id="{A721224C-57D3-924A-9F57-880433E9CE2E}" type="datetimeFigureOut">
               <a:rPr lang="en-US" smtClean="0"/>
-              <a:t>12/21/23</a:t>
+              <a:t>12/22/23</a:t>
             </a:fld>
             <a:endParaRPr lang="en-US"/>
           </a:p>
@@ -863,7 +863,7 @@
           <a:p>
             <a:fld id="{A721224C-57D3-924A-9F57-880433E9CE2E}" type="datetimeFigureOut">
               <a:rPr lang="en-US" smtClean="0"/>
-              <a:t>12/21/23</a:t>
+              <a:t>12/22/23</a:t>
             </a:fld>
             <a:endParaRPr lang="en-US"/>
           </a:p>
@@ -1138,7 +1138,7 @@
           <a:p>
             <a:fld id="{A721224C-57D3-924A-9F57-880433E9CE2E}" type="datetimeFigureOut">
               <a:rPr lang="en-US" smtClean="0"/>
-              <a:t>12/21/23</a:t>
+              <a:t>12/22/23</a:t>
             </a:fld>
             <a:endParaRPr lang="en-US"/>
           </a:p>
@@ -1403,7 +1403,7 @@
           <a:p>
             <a:fld id="{A721224C-57D3-924A-9F57-880433E9CE2E}" type="datetimeFigureOut">
               <a:rPr lang="en-US" smtClean="0"/>
-              <a:t>12/21/23</a:t>
+              <a:t>12/22/23</a:t>
             </a:fld>
             <a:endParaRPr lang="en-US"/>
           </a:p>
@@ -1815,7 +1815,7 @@
           <a:p>
             <a:fld id="{A721224C-57D3-924A-9F57-880433E9CE2E}" type="datetimeFigureOut">
               <a:rPr lang="en-US" smtClean="0"/>
-              <a:t>12/21/23</a:t>
+              <a:t>12/22/23</a:t>
             </a:fld>
             <a:endParaRPr lang="en-US"/>
           </a:p>
@@ -1956,7 +1956,7 @@
           <a:p>
             <a:fld id="{A721224C-57D3-924A-9F57-880433E9CE2E}" type="datetimeFigureOut">
               <a:rPr lang="en-US" smtClean="0"/>
-              <a:t>12/21/23</a:t>
+              <a:t>12/22/23</a:t>
             </a:fld>
             <a:endParaRPr lang="en-US"/>
           </a:p>
@@ -2069,7 +2069,7 @@
           <a:p>
             <a:fld id="{A721224C-57D3-924A-9F57-880433E9CE2E}" type="datetimeFigureOut">
               <a:rPr lang="en-US" smtClean="0"/>
-              <a:t>12/21/23</a:t>
+              <a:t>12/22/23</a:t>
             </a:fld>
             <a:endParaRPr lang="en-US"/>
           </a:p>
@@ -2380,7 +2380,7 @@
           <a:p>
             <a:fld id="{A721224C-57D3-924A-9F57-880433E9CE2E}" type="datetimeFigureOut">
               <a:rPr lang="en-US" smtClean="0"/>
-              <a:t>12/21/23</a:t>
+              <a:t>12/22/23</a:t>
             </a:fld>
             <a:endParaRPr lang="en-US"/>
           </a:p>
@@ -2668,7 +2668,7 @@
           <a:p>
             <a:fld id="{A721224C-57D3-924A-9F57-880433E9CE2E}" type="datetimeFigureOut">
               <a:rPr lang="en-US" smtClean="0"/>
-              <a:t>12/21/23</a:t>
+              <a:t>12/22/23</a:t>
             </a:fld>
             <a:endParaRPr lang="en-US"/>
           </a:p>
@@ -2909,7 +2909,7 @@
           <a:p>
             <a:fld id="{A721224C-57D3-924A-9F57-880433E9CE2E}" type="datetimeFigureOut">
               <a:rPr lang="en-US" smtClean="0"/>
-              <a:t>12/21/23</a:t>
+              <a:t>12/22/23</a:t>
             </a:fld>
             <a:endParaRPr lang="en-US"/>
           </a:p>
@@ -3328,10 +3328,10 @@
       </p:grpSpPr>
       <p:pic>
         <p:nvPicPr>
-          <p:cNvPr id="5" name="Picture 4" descr="A close-up of a red circuit board&#10;&#10;Description automatically generated">
-            <a:extLst>
-              <a:ext uri="{FF2B5EF4-FFF2-40B4-BE49-F238E27FC236}">
-                <a16:creationId xmlns:a16="http://schemas.microsoft.com/office/drawing/2014/main" id="{D711712F-5296-32F9-C937-DFD5A70ACC10}"/>
+          <p:cNvPr id="3" name="Picture 2" descr="A close-up of a circuit board&#10;&#10;Description automatically generated">
+            <a:extLst>
+              <a:ext uri="{FF2B5EF4-FFF2-40B4-BE49-F238E27FC236}">
+                <a16:creationId xmlns:a16="http://schemas.microsoft.com/office/drawing/2014/main" id="{EC42F488-5BDC-FE83-0F56-145330C99331}"/>
               </a:ext>
             </a:extLst>
           </p:cNvPr>
@@ -3348,8 +3348,8 @@
         </p:blipFill>
         <p:spPr>
           <a:xfrm>
-            <a:off x="3511550" y="2540000"/>
-            <a:ext cx="5168900" cy="1778000"/>
+            <a:off x="1804714" y="1889890"/>
+            <a:ext cx="7772400" cy="3498627"/>
           </a:xfrm>
           <a:prstGeom prst="rect">
             <a:avLst/>
@@ -3358,10 +3358,10 @@
       </p:pic>
       <p:sp>
         <p:nvSpPr>
-          <p:cNvPr id="6" name="Left Arrow 5">
-            <a:extLst>
-              <a:ext uri="{FF2B5EF4-FFF2-40B4-BE49-F238E27FC236}">
-                <a16:creationId xmlns:a16="http://schemas.microsoft.com/office/drawing/2014/main" id="{C5A7F29F-F67E-BDE1-78C0-969C361E0275}"/>
+          <p:cNvPr id="7" name="Rectangle 6">
+            <a:extLst>
+              <a:ext uri="{FF2B5EF4-FFF2-40B4-BE49-F238E27FC236}">
+                <a16:creationId xmlns:a16="http://schemas.microsoft.com/office/drawing/2014/main" id="{0C4F2E14-167B-8A75-88A4-AF7F32E46876}"/>
               </a:ext>
             </a:extLst>
           </p:cNvPr>
@@ -3370,61 +3370,8 @@
         </p:nvSpPr>
         <p:spPr>
           <a:xfrm>
-            <a:off x="6852745" y="2757120"/>
-            <a:ext cx="2273643" cy="914400"/>
-          </a:xfrm>
-          <a:prstGeom prst="leftArrow">
-            <a:avLst/>
-          </a:prstGeom>
-        </p:spPr>
-        <p:style>
-          <a:lnRef idx="2">
-            <a:schemeClr val="accent1">
-              <a:shade val="15000"/>
-            </a:schemeClr>
-          </a:lnRef>
-          <a:fillRef idx="1">
-            <a:schemeClr val="accent1"/>
-          </a:fillRef>
-          <a:effectRef idx="0">
-            <a:schemeClr val="accent1"/>
-          </a:effectRef>
-          <a:fontRef idx="minor">
-            <a:schemeClr val="lt1"/>
-          </a:fontRef>
-        </p:style>
-        <p:txBody>
-          <a:bodyPr rtlCol="0" anchor="ctr"/>
-          <a:lstStyle/>
-          <a:p>
-            <a:pPr algn="ctr"/>
-            <a:r>
-              <a:rPr lang="en-US" dirty="0">
-                <a:solidFill>
-                  <a:srgbClr val="FFFF00"/>
-                </a:solidFill>
-              </a:rPr>
-              <a:t>JUMPER</a:t>
-            </a:r>
-          </a:p>
-        </p:txBody>
-      </p:sp>
-      <p:sp>
-        <p:nvSpPr>
-          <p:cNvPr id="7" name="Rectangle 6">
-            <a:extLst>
-              <a:ext uri="{FF2B5EF4-FFF2-40B4-BE49-F238E27FC236}">
-                <a16:creationId xmlns:a16="http://schemas.microsoft.com/office/drawing/2014/main" id="{0C4F2E14-167B-8A75-88A4-AF7F32E46876}"/>
-              </a:ext>
-            </a:extLst>
-          </p:cNvPr>
-          <p:cNvSpPr/>
-          <p:nvPr/>
-        </p:nvSpPr>
-        <p:spPr>
-          <a:xfrm>
-            <a:off x="6630181" y="3058512"/>
-            <a:ext cx="210207" cy="336331"/>
+            <a:off x="6600497" y="3058512"/>
+            <a:ext cx="273268" cy="451943"/>
           </a:xfrm>
           <a:prstGeom prst="rect">
             <a:avLst/>
@@ -3458,6 +3405,59 @@
           <a:p>
             <a:pPr algn="ctr"/>
             <a:endParaRPr lang="en-US"/>
+          </a:p>
+        </p:txBody>
+      </p:sp>
+      <p:sp>
+        <p:nvSpPr>
+          <p:cNvPr id="6" name="Left Arrow 5">
+            <a:extLst>
+              <a:ext uri="{FF2B5EF4-FFF2-40B4-BE49-F238E27FC236}">
+                <a16:creationId xmlns:a16="http://schemas.microsoft.com/office/drawing/2014/main" id="{C5A7F29F-F67E-BDE1-78C0-969C361E0275}"/>
+              </a:ext>
+            </a:extLst>
+          </p:cNvPr>
+          <p:cNvSpPr/>
+          <p:nvPr/>
+        </p:nvSpPr>
+        <p:spPr>
+          <a:xfrm>
+            <a:off x="6905295" y="2811520"/>
+            <a:ext cx="2427891" cy="914400"/>
+          </a:xfrm>
+          <a:prstGeom prst="leftArrow">
+            <a:avLst/>
+          </a:prstGeom>
+        </p:spPr>
+        <p:style>
+          <a:lnRef idx="2">
+            <a:schemeClr val="accent1">
+              <a:shade val="15000"/>
+            </a:schemeClr>
+          </a:lnRef>
+          <a:fillRef idx="1">
+            <a:schemeClr val="accent1"/>
+          </a:fillRef>
+          <a:effectRef idx="0">
+            <a:schemeClr val="accent1"/>
+          </a:effectRef>
+          <a:fontRef idx="minor">
+            <a:schemeClr val="lt1"/>
+          </a:fontRef>
+        </p:style>
+        <p:txBody>
+          <a:bodyPr rtlCol="0" anchor="ctr"/>
+          <a:lstStyle/>
+          <a:p>
+            <a:pPr algn="ctr"/>
+            <a:r>
+              <a:rPr lang="en-US" dirty="0">
+                <a:solidFill>
+                  <a:srgbClr val="FFFF00"/>
+                </a:solidFill>
+              </a:rPr>
+              <a:t>JUMPER (HOST 3V3)</a:t>
+            </a:r>
           </a:p>
         </p:txBody>
       </p:sp>

--- a/RNWF11/media/boards/RNWF11_Power_VCC.pptx
+++ b/RNWF11/media/boards/RNWF11_Power_VCC.pptx
@@ -3328,10 +3328,10 @@
       </p:grpSpPr>
       <p:pic>
         <p:nvPicPr>
-          <p:cNvPr id="3" name="Picture 2" descr="A close-up of a circuit board&#10;&#10;Description automatically generated">
-            <a:extLst>
-              <a:ext uri="{FF2B5EF4-FFF2-40B4-BE49-F238E27FC236}">
-                <a16:creationId xmlns:a16="http://schemas.microsoft.com/office/drawing/2014/main" id="{EC42F488-5BDC-FE83-0F56-145330C99331}"/>
+          <p:cNvPr id="2" name="Picture 1">
+            <a:extLst>
+              <a:ext uri="{FF2B5EF4-FFF2-40B4-BE49-F238E27FC236}">
+                <a16:creationId xmlns:a16="http://schemas.microsoft.com/office/drawing/2014/main" id="{659E98C4-9A5D-204C-C3CD-B5CA2E3D8E04}"/>
               </a:ext>
             </a:extLst>
           </p:cNvPr>
@@ -3347,9 +3347,9 @@
           </a:stretch>
         </p:blipFill>
         <p:spPr>
-          <a:xfrm>
-            <a:off x="1804714" y="1889890"/>
-            <a:ext cx="7772400" cy="3498627"/>
+          <a:xfrm rot="5400000">
+            <a:off x="3950517" y="-289630"/>
+            <a:ext cx="3498627" cy="7768333"/>
           </a:xfrm>
           <a:prstGeom prst="rect">
             <a:avLst/>
